--- a/gpu/EE817 Lecture 16  CUDA Thrust.pptx
+++ b/gpu/EE817 Lecture 16  CUDA Thrust.pptx
@@ -289,7 +289,7 @@
           <a:p>
             <a:fld id="{0958D145-3F61-4970-8B92-DDA610F3EB4F}" type="datetimeFigureOut">
               <a:rPr lang="ko-KR" altLang="en-US" smtClean="0"/>
-              <a:t>2017-06-01</a:t>
+              <a:t>2017-06-12</a:t>
             </a:fld>
             <a:endParaRPr lang="ko-KR" altLang="en-US"/>
           </a:p>
@@ -484,7 +484,7 @@
               <a:pPr>
                 <a:defRPr/>
               </a:pPr>
-              <a:t>2017-06-01</a:t>
+              <a:t>2017-06-12</a:t>
             </a:fld>
             <a:endParaRPr lang="ko-KR" altLang="en-US"/>
           </a:p>
@@ -1346,7 +1346,7 @@
               <a:pPr>
                 <a:defRPr/>
               </a:pPr>
-              <a:t>6/1/2017</a:t>
+              <a:t>6/12/2017</a:t>
             </a:fld>
             <a:endParaRPr lang="en-US" altLang="ko-KR"/>
           </a:p>
@@ -1548,7 +1548,7 @@
               <a:pPr>
                 <a:defRPr/>
               </a:pPr>
-              <a:t>6/1/2017</a:t>
+              <a:t>6/12/2017</a:t>
             </a:fld>
             <a:endParaRPr lang="en-US" altLang="ko-KR"/>
           </a:p>
@@ -1981,7 +1981,7 @@
               <a:pPr>
                 <a:defRPr/>
               </a:pPr>
-              <a:t>6/1/2017</a:t>
+              <a:t>6/12/2017</a:t>
             </a:fld>
             <a:endParaRPr lang="en-US" altLang="ko-KR"/>
           </a:p>
@@ -2178,7 +2178,7 @@
               <a:pPr>
                 <a:defRPr/>
               </a:pPr>
-              <a:t>6/1/2017</a:t>
+              <a:t>6/12/2017</a:t>
             </a:fld>
             <a:endParaRPr lang="en-US" altLang="ko-KR"/>
           </a:p>
@@ -2693,7 +2693,7 @@
               <a:pPr>
                 <a:defRPr/>
               </a:pPr>
-              <a:t>6/1/2017</a:t>
+              <a:t>6/12/2017</a:t>
             </a:fld>
             <a:endParaRPr lang="en-US" altLang="ko-KR"/>
           </a:p>
@@ -3008,7 +3008,7 @@
               <a:pPr>
                 <a:defRPr/>
               </a:pPr>
-              <a:t>6/1/2017</a:t>
+              <a:t>6/12/2017</a:t>
             </a:fld>
             <a:endParaRPr lang="en-US" altLang="ko-KR"/>
           </a:p>
@@ -3511,7 +3511,7 @@
               <a:pPr>
                 <a:defRPr/>
               </a:pPr>
-              <a:t>6/1/2017</a:t>
+              <a:t>6/12/2017</a:t>
             </a:fld>
             <a:endParaRPr lang="en-US" altLang="ko-KR"/>
           </a:p>
@@ -3899,7 +3899,7 @@
               <a:pPr>
                 <a:defRPr/>
               </a:pPr>
-              <a:t>6/1/2017</a:t>
+              <a:t>6/12/2017</a:t>
             </a:fld>
             <a:endParaRPr lang="en-US" altLang="ko-KR"/>
           </a:p>
@@ -4357,7 +4357,7 @@
               <a:pPr>
                 <a:defRPr/>
               </a:pPr>
-              <a:t>6/1/2017</a:t>
+              <a:t>6/12/2017</a:t>
             </a:fld>
             <a:endParaRPr lang="en-US" altLang="ko-KR"/>
           </a:p>
@@ -4655,7 +4655,7 @@
               <a:pPr>
                 <a:defRPr/>
               </a:pPr>
-              <a:t>6/1/2017</a:t>
+              <a:t>6/12/2017</a:t>
             </a:fld>
             <a:endParaRPr lang="en-US" altLang="ko-KR"/>
           </a:p>
@@ -4985,7 +4985,7 @@
               <a:pPr>
                 <a:defRPr/>
               </a:pPr>
-              <a:t>6/1/2017</a:t>
+              <a:t>6/12/2017</a:t>
             </a:fld>
             <a:endParaRPr lang="en-US" altLang="ko-KR"/>
           </a:p>
@@ -5503,7 +5503,7 @@
               <a:pPr>
                 <a:defRPr/>
               </a:pPr>
-              <a:t>6/1/2017</a:t>
+              <a:t>6/12/2017</a:t>
             </a:fld>
             <a:endParaRPr lang="en-US" altLang="ko-KR"/>
           </a:p>
